--- a/Diseños/Diseños.pptx
+++ b/Diseños/Diseños.pptx
@@ -7,6 +7,7 @@
   <p:sldIdLst>
     <p:sldId id="256" r:id="rId2"/>
     <p:sldId id="257" r:id="rId3"/>
+    <p:sldId id="258" r:id="rId4"/>
   </p:sldIdLst>
   <p:sldSz cx="12192000" cy="6858000"/>
   <p:notesSz cx="6858000" cy="9144000"/>
@@ -105,6 +106,11 @@
       </a:defRPr>
     </a:lvl9pPr>
   </p:defaultTextStyle>
+  <p:extLst>
+    <p:ext uri="{EFAFB233-063F-42B5-8137-9DF3F51BA10A}">
+      <p15:sldGuideLst xmlns:p15="http://schemas.microsoft.com/office/powerpoint/2012/main"/>
+    </p:ext>
+  </p:extLst>
 </p:presentation>
 </file>
 
@@ -239,7 +245,7 @@
           <a:p>
             <a:fld id="{48CC885E-38EE-4EC7-8462-78D20148DC72}" type="datetimeFigureOut">
               <a:rPr lang="es-419" smtClean="0"/>
-              <a:t>10/10/2016</a:t>
+              <a:t>11/10/2016</a:t>
             </a:fld>
             <a:endParaRPr lang="es-419"/>
           </a:p>
@@ -281,7 +287,7 @@
           <a:p>
             <a:fld id="{1CB891BC-FFC6-4825-A8E1-5D208ACF534C}" type="slidenum">
               <a:rPr lang="es-419" smtClean="0"/>
-              <a:t>‹Nº›</a:t>
+              <a:t>‹#›</a:t>
             </a:fld>
             <a:endParaRPr lang="es-419"/>
           </a:p>
@@ -409,7 +415,7 @@
           <a:p>
             <a:fld id="{48CC885E-38EE-4EC7-8462-78D20148DC72}" type="datetimeFigureOut">
               <a:rPr lang="es-419" smtClean="0"/>
-              <a:t>10/10/2016</a:t>
+              <a:t>11/10/2016</a:t>
             </a:fld>
             <a:endParaRPr lang="es-419"/>
           </a:p>
@@ -451,7 +457,7 @@
           <a:p>
             <a:fld id="{1CB891BC-FFC6-4825-A8E1-5D208ACF534C}" type="slidenum">
               <a:rPr lang="es-419" smtClean="0"/>
-              <a:t>‹Nº›</a:t>
+              <a:t>‹#›</a:t>
             </a:fld>
             <a:endParaRPr lang="es-419"/>
           </a:p>
@@ -589,7 +595,7 @@
           <a:p>
             <a:fld id="{48CC885E-38EE-4EC7-8462-78D20148DC72}" type="datetimeFigureOut">
               <a:rPr lang="es-419" smtClean="0"/>
-              <a:t>10/10/2016</a:t>
+              <a:t>11/10/2016</a:t>
             </a:fld>
             <a:endParaRPr lang="es-419"/>
           </a:p>
@@ -631,7 +637,7 @@
           <a:p>
             <a:fld id="{1CB891BC-FFC6-4825-A8E1-5D208ACF534C}" type="slidenum">
               <a:rPr lang="es-419" smtClean="0"/>
-              <a:t>‹Nº›</a:t>
+              <a:t>‹#›</a:t>
             </a:fld>
             <a:endParaRPr lang="es-419"/>
           </a:p>
@@ -759,7 +765,7 @@
           <a:p>
             <a:fld id="{48CC885E-38EE-4EC7-8462-78D20148DC72}" type="datetimeFigureOut">
               <a:rPr lang="es-419" smtClean="0"/>
-              <a:t>10/10/2016</a:t>
+              <a:t>11/10/2016</a:t>
             </a:fld>
             <a:endParaRPr lang="es-419"/>
           </a:p>
@@ -801,7 +807,7 @@
           <a:p>
             <a:fld id="{1CB891BC-FFC6-4825-A8E1-5D208ACF534C}" type="slidenum">
               <a:rPr lang="es-419" smtClean="0"/>
-              <a:t>‹Nº›</a:t>
+              <a:t>‹#›</a:t>
             </a:fld>
             <a:endParaRPr lang="es-419"/>
           </a:p>
@@ -1005,7 +1011,7 @@
           <a:p>
             <a:fld id="{48CC885E-38EE-4EC7-8462-78D20148DC72}" type="datetimeFigureOut">
               <a:rPr lang="es-419" smtClean="0"/>
-              <a:t>10/10/2016</a:t>
+              <a:t>11/10/2016</a:t>
             </a:fld>
             <a:endParaRPr lang="es-419"/>
           </a:p>
@@ -1047,7 +1053,7 @@
           <a:p>
             <a:fld id="{1CB891BC-FFC6-4825-A8E1-5D208ACF534C}" type="slidenum">
               <a:rPr lang="es-419" smtClean="0"/>
-              <a:t>‹Nº›</a:t>
+              <a:t>‹#›</a:t>
             </a:fld>
             <a:endParaRPr lang="es-419"/>
           </a:p>
@@ -1237,7 +1243,7 @@
           <a:p>
             <a:fld id="{48CC885E-38EE-4EC7-8462-78D20148DC72}" type="datetimeFigureOut">
               <a:rPr lang="es-419" smtClean="0"/>
-              <a:t>10/10/2016</a:t>
+              <a:t>11/10/2016</a:t>
             </a:fld>
             <a:endParaRPr lang="es-419"/>
           </a:p>
@@ -1279,7 +1285,7 @@
           <a:p>
             <a:fld id="{1CB891BC-FFC6-4825-A8E1-5D208ACF534C}" type="slidenum">
               <a:rPr lang="es-419" smtClean="0"/>
-              <a:t>‹Nº›</a:t>
+              <a:t>‹#›</a:t>
             </a:fld>
             <a:endParaRPr lang="es-419"/>
           </a:p>
@@ -1604,7 +1610,7 @@
           <a:p>
             <a:fld id="{48CC885E-38EE-4EC7-8462-78D20148DC72}" type="datetimeFigureOut">
               <a:rPr lang="es-419" smtClean="0"/>
-              <a:t>10/10/2016</a:t>
+              <a:t>11/10/2016</a:t>
             </a:fld>
             <a:endParaRPr lang="es-419"/>
           </a:p>
@@ -1646,7 +1652,7 @@
           <a:p>
             <a:fld id="{1CB891BC-FFC6-4825-A8E1-5D208ACF534C}" type="slidenum">
               <a:rPr lang="es-419" smtClean="0"/>
-              <a:t>‹Nº›</a:t>
+              <a:t>‹#›</a:t>
             </a:fld>
             <a:endParaRPr lang="es-419"/>
           </a:p>
@@ -1722,7 +1728,7 @@
           <a:p>
             <a:fld id="{48CC885E-38EE-4EC7-8462-78D20148DC72}" type="datetimeFigureOut">
               <a:rPr lang="es-419" smtClean="0"/>
-              <a:t>10/10/2016</a:t>
+              <a:t>11/10/2016</a:t>
             </a:fld>
             <a:endParaRPr lang="es-419"/>
           </a:p>
@@ -1764,7 +1770,7 @@
           <a:p>
             <a:fld id="{1CB891BC-FFC6-4825-A8E1-5D208ACF534C}" type="slidenum">
               <a:rPr lang="es-419" smtClean="0"/>
-              <a:t>‹Nº›</a:t>
+              <a:t>‹#›</a:t>
             </a:fld>
             <a:endParaRPr lang="es-419"/>
           </a:p>
@@ -1817,7 +1823,7 @@
           <a:p>
             <a:fld id="{48CC885E-38EE-4EC7-8462-78D20148DC72}" type="datetimeFigureOut">
               <a:rPr lang="es-419" smtClean="0"/>
-              <a:t>10/10/2016</a:t>
+              <a:t>11/10/2016</a:t>
             </a:fld>
             <a:endParaRPr lang="es-419"/>
           </a:p>
@@ -1859,7 +1865,7 @@
           <a:p>
             <a:fld id="{1CB891BC-FFC6-4825-A8E1-5D208ACF534C}" type="slidenum">
               <a:rPr lang="es-419" smtClean="0"/>
-              <a:t>‹Nº›</a:t>
+              <a:t>‹#›</a:t>
             </a:fld>
             <a:endParaRPr lang="es-419"/>
           </a:p>
@@ -2094,7 +2100,7 @@
           <a:p>
             <a:fld id="{48CC885E-38EE-4EC7-8462-78D20148DC72}" type="datetimeFigureOut">
               <a:rPr lang="es-419" smtClean="0"/>
-              <a:t>10/10/2016</a:t>
+              <a:t>11/10/2016</a:t>
             </a:fld>
             <a:endParaRPr lang="es-419"/>
           </a:p>
@@ -2136,7 +2142,7 @@
           <a:p>
             <a:fld id="{1CB891BC-FFC6-4825-A8E1-5D208ACF534C}" type="slidenum">
               <a:rPr lang="es-419" smtClean="0"/>
-              <a:t>‹Nº›</a:t>
+              <a:t>‹#›</a:t>
             </a:fld>
             <a:endParaRPr lang="es-419"/>
           </a:p>
@@ -2347,7 +2353,7 @@
           <a:p>
             <a:fld id="{48CC885E-38EE-4EC7-8462-78D20148DC72}" type="datetimeFigureOut">
               <a:rPr lang="es-419" smtClean="0"/>
-              <a:t>10/10/2016</a:t>
+              <a:t>11/10/2016</a:t>
             </a:fld>
             <a:endParaRPr lang="es-419"/>
           </a:p>
@@ -2389,7 +2395,7 @@
           <a:p>
             <a:fld id="{1CB891BC-FFC6-4825-A8E1-5D208ACF534C}" type="slidenum">
               <a:rPr lang="es-419" smtClean="0"/>
-              <a:t>‹Nº›</a:t>
+              <a:t>‹#›</a:t>
             </a:fld>
             <a:endParaRPr lang="es-419"/>
           </a:p>
@@ -2560,7 +2566,7 @@
           <a:p>
             <a:fld id="{48CC885E-38EE-4EC7-8462-78D20148DC72}" type="datetimeFigureOut">
               <a:rPr lang="es-419" smtClean="0"/>
-              <a:t>10/10/2016</a:t>
+              <a:t>11/10/2016</a:t>
             </a:fld>
             <a:endParaRPr lang="es-419"/>
           </a:p>
@@ -2638,7 +2644,7 @@
           <a:p>
             <a:fld id="{1CB891BC-FFC6-4825-A8E1-5D208ACF534C}" type="slidenum">
               <a:rPr lang="es-419" smtClean="0"/>
-              <a:t>‹Nº›</a:t>
+              <a:t>‹#›</a:t>
             </a:fld>
             <a:endParaRPr lang="es-419"/>
           </a:p>
@@ -6084,6 +6090,485 @@
 </p:sld>
 </file>
 
+<file path=ppt/slides/slide3.xml><?xml version="1.0" encoding="utf-8"?>
+<p:sld xmlns:a="http://schemas.openxmlformats.org/drawingml/2006/main" xmlns:r="http://schemas.openxmlformats.org/officeDocument/2006/relationships" xmlns:p="http://schemas.openxmlformats.org/presentationml/2006/main">
+  <p:cSld>
+    <p:spTree>
+      <p:nvGrpSpPr>
+        <p:cNvPr id="1" name=""/>
+        <p:cNvGrpSpPr/>
+        <p:nvPr/>
+      </p:nvGrpSpPr>
+      <p:grpSpPr>
+        <a:xfrm>
+          <a:off x="0" y="0"/>
+          <a:ext cx="0" cy="0"/>
+          <a:chOff x="0" y="0"/>
+          <a:chExt cx="0" cy="0"/>
+        </a:xfrm>
+      </p:grpSpPr>
+      <p:sp>
+        <p:nvSpPr>
+          <p:cNvPr id="2" name="Title 1"/>
+          <p:cNvSpPr>
+            <a:spLocks noGrp="1"/>
+          </p:cNvSpPr>
+          <p:nvPr>
+            <p:ph type="title"/>
+          </p:nvPr>
+        </p:nvSpPr>
+        <p:spPr/>
+        <p:txBody>
+          <a:bodyPr/>
+          <a:lstStyle/>
+          <a:p>
+            <a:r>
+              <a:rPr lang="en-US" dirty="0" smtClean="0"/>
+              <a:t> </a:t>
+            </a:r>
+            <a:endParaRPr lang="es-CR" dirty="0"/>
+          </a:p>
+        </p:txBody>
+      </p:sp>
+      <p:graphicFrame>
+        <p:nvGraphicFramePr>
+          <p:cNvPr id="5" name="Content Placeholder 4"/>
+          <p:cNvGraphicFramePr>
+            <a:graphicFrameLocks noGrp="1"/>
+          </p:cNvGraphicFramePr>
+          <p:nvPr>
+            <p:ph idx="1"/>
+            <p:extLst>
+              <p:ext uri="{D42A27DB-BD31-4B8C-83A1-F6EECF244321}">
+                <p14:modId xmlns:p14="http://schemas.microsoft.com/office/powerpoint/2010/main" val="1148861298"/>
+              </p:ext>
+            </p:extLst>
+          </p:nvPr>
+        </p:nvGraphicFramePr>
+        <p:xfrm>
+          <a:off x="838200" y="1825625"/>
+          <a:ext cx="10515600" cy="3767455"/>
+        </p:xfrm>
+        <a:graphic>
+          <a:graphicData uri="http://schemas.openxmlformats.org/drawingml/2006/table">
+            <a:tbl>
+              <a:tblPr firstRow="1" bandRow="1">
+                <a:tableStyleId>{5940675A-B579-460E-94D1-54222C63F5DA}</a:tableStyleId>
+              </a:tblPr>
+              <a:tblGrid>
+                <a:gridCol w="3505200"/>
+                <a:gridCol w="3505200"/>
+                <a:gridCol w="3505200"/>
+              </a:tblGrid>
+              <a:tr h="370840">
+                <a:tc>
+                  <a:txBody>
+                    <a:bodyPr/>
+                    <a:lstStyle/>
+                    <a:p>
+                      <a:r>
+                        <a:rPr lang="en-US" dirty="0" smtClean="0"/>
+                        <a:t>Modulo</a:t>
+                      </a:r>
+                      <a:endParaRPr lang="es-CR" dirty="0"/>
+                    </a:p>
+                  </a:txBody>
+                  <a:tcPr/>
+                </a:tc>
+                <a:tc>
+                  <a:txBody>
+                    <a:bodyPr/>
+                    <a:lstStyle/>
+                    <a:p>
+                      <a:r>
+                        <a:rPr lang="es-CR" noProof="0" dirty="0" smtClean="0"/>
+                        <a:t>Dirección</a:t>
+                      </a:r>
+                      <a:endParaRPr lang="es-CR" noProof="0" dirty="0"/>
+                    </a:p>
+                  </a:txBody>
+                  <a:tcPr/>
+                </a:tc>
+                <a:tc>
+                  <a:txBody>
+                    <a:bodyPr/>
+                    <a:lstStyle/>
+                    <a:p>
+                      <a:r>
+                        <a:rPr lang="en-US" dirty="0" smtClean="0"/>
+                        <a:t>Dato</a:t>
+                      </a:r>
+                      <a:endParaRPr lang="es-CR" dirty="0"/>
+                    </a:p>
+                  </a:txBody>
+                  <a:tcPr/>
+                </a:tc>
+              </a:tr>
+              <a:tr h="368935">
+                <a:tc>
+                  <a:txBody>
+                    <a:bodyPr/>
+                    <a:lstStyle/>
+                    <a:p>
+                      <a:r>
+                        <a:rPr lang="en-US" dirty="0" smtClean="0"/>
+                        <a:t>VGA</a:t>
+                      </a:r>
+                      <a:endParaRPr lang="es-CR" dirty="0"/>
+                    </a:p>
+                  </a:txBody>
+                  <a:tcPr>
+                    <a:lnB w="12700" cap="flat" cmpd="sng" algn="ctr">
+                      <a:noFill/>
+                      <a:prstDash val="solid"/>
+                      <a:round/>
+                      <a:headEnd type="none" w="med" len="med"/>
+                      <a:tailEnd type="none" w="med" len="med"/>
+                    </a:lnB>
+                  </a:tcPr>
+                </a:tc>
+                <a:tc>
+                  <a:txBody>
+                    <a:bodyPr/>
+                    <a:lstStyle/>
+                    <a:p>
+                      <a:r>
+                        <a:rPr lang="es-CR" noProof="0" dirty="0" smtClean="0"/>
+                        <a:t>1</a:t>
+                      </a:r>
+                      <a:endParaRPr lang="es-CR" noProof="0" dirty="0"/>
+                    </a:p>
+                  </a:txBody>
+                  <a:tcPr/>
+                </a:tc>
+                <a:tc>
+                  <a:txBody>
+                    <a:bodyPr/>
+                    <a:lstStyle/>
+                    <a:p>
+                      <a:r>
+                        <a:rPr lang="es-CR" noProof="0" dirty="0" smtClean="0"/>
+                        <a:t>Dirección de registro</a:t>
+                      </a:r>
+                      <a:endParaRPr lang="es-CR" noProof="0" dirty="0"/>
+                    </a:p>
+                  </a:txBody>
+                  <a:tcPr/>
+                </a:tc>
+              </a:tr>
+              <a:tr h="190500">
+                <a:tc>
+                  <a:txBody>
+                    <a:bodyPr/>
+                    <a:lstStyle/>
+                    <a:p>
+                      <a:endParaRPr lang="es-CR" dirty="0"/>
+                    </a:p>
+                  </a:txBody>
+                  <a:tcPr>
+                    <a:lnT w="12700" cap="flat" cmpd="sng" algn="ctr">
+                      <a:noFill/>
+                      <a:prstDash val="solid"/>
+                      <a:round/>
+                      <a:headEnd type="none" w="med" len="med"/>
+                      <a:tailEnd type="none" w="med" len="med"/>
+                    </a:lnT>
+                  </a:tcPr>
+                </a:tc>
+                <a:tc>
+                  <a:txBody>
+                    <a:bodyPr/>
+                    <a:lstStyle/>
+                    <a:p>
+                      <a:r>
+                        <a:rPr lang="en-US" dirty="0" smtClean="0"/>
+                        <a:t>2</a:t>
+                      </a:r>
+                      <a:endParaRPr lang="es-CR" dirty="0"/>
+                    </a:p>
+                  </a:txBody>
+                  <a:tcPr/>
+                </a:tc>
+                <a:tc>
+                  <a:txBody>
+                    <a:bodyPr/>
+                    <a:lstStyle/>
+                    <a:p>
+                      <a:r>
+                        <a:rPr lang="es-CR" noProof="0" dirty="0" smtClean="0"/>
+                        <a:t>Dato de registro</a:t>
+                      </a:r>
+                      <a:endParaRPr lang="es-CR" noProof="0" dirty="0"/>
+                    </a:p>
+                  </a:txBody>
+                  <a:tcPr/>
+                </a:tc>
+              </a:tr>
+              <a:tr h="370840">
+                <a:tc>
+                  <a:txBody>
+                    <a:bodyPr/>
+                    <a:lstStyle/>
+                    <a:p>
+                      <a:r>
+                        <a:rPr lang="es-CR" noProof="0" dirty="0" smtClean="0"/>
+                        <a:t>Teclado</a:t>
+                      </a:r>
+                      <a:endParaRPr lang="es-CR" noProof="0" dirty="0"/>
+                    </a:p>
+                  </a:txBody>
+                  <a:tcPr/>
+                </a:tc>
+                <a:tc>
+                  <a:txBody>
+                    <a:bodyPr/>
+                    <a:lstStyle/>
+                    <a:p>
+                      <a:r>
+                        <a:rPr lang="en-US" dirty="0" smtClean="0"/>
+                        <a:t>5</a:t>
+                      </a:r>
+                      <a:endParaRPr lang="es-CR" dirty="0"/>
+                    </a:p>
+                  </a:txBody>
+                  <a:tcPr/>
+                </a:tc>
+                <a:tc>
+                  <a:txBody>
+                    <a:bodyPr/>
+                    <a:lstStyle/>
+                    <a:p>
+                      <a:r>
+                        <a:rPr lang="es-CR" noProof="0" dirty="0" smtClean="0"/>
+                        <a:t>Dato de entrada del</a:t>
+                      </a:r>
+                      <a:r>
+                        <a:rPr lang="es-CR" baseline="0" noProof="0" dirty="0" smtClean="0"/>
+                        <a:t> teclado</a:t>
+                      </a:r>
+                      <a:endParaRPr lang="es-CR" noProof="0" dirty="0"/>
+                    </a:p>
+                  </a:txBody>
+                  <a:tcPr/>
+                </a:tc>
+              </a:tr>
+              <a:tr h="370840">
+                <a:tc>
+                  <a:txBody>
+                    <a:bodyPr/>
+                    <a:lstStyle/>
+                    <a:p>
+                      <a:r>
+                        <a:rPr lang="en-US" dirty="0" smtClean="0"/>
+                        <a:t>Audio</a:t>
+                      </a:r>
+                      <a:endParaRPr lang="es-CR" dirty="0"/>
+                    </a:p>
+                  </a:txBody>
+                  <a:tcPr/>
+                </a:tc>
+                <a:tc>
+                  <a:txBody>
+                    <a:bodyPr/>
+                    <a:lstStyle/>
+                    <a:p>
+                      <a:r>
+                        <a:rPr lang="en-US" dirty="0" smtClean="0"/>
+                        <a:t>9</a:t>
+                      </a:r>
+                      <a:endParaRPr lang="es-CR" dirty="0"/>
+                    </a:p>
+                  </a:txBody>
+                  <a:tcPr/>
+                </a:tc>
+                <a:tc>
+                  <a:txBody>
+                    <a:bodyPr/>
+                    <a:lstStyle/>
+                    <a:p>
+                      <a:r>
+                        <a:rPr lang="es-CR" noProof="0" dirty="0" smtClean="0"/>
+                        <a:t>Indica si</a:t>
+                      </a:r>
+                      <a:r>
+                        <a:rPr lang="es-CR" baseline="0" noProof="0" dirty="0" smtClean="0"/>
+                        <a:t> tiene que salir el audio</a:t>
+                      </a:r>
+                      <a:endParaRPr lang="es-CR" noProof="0" dirty="0"/>
+                    </a:p>
+                  </a:txBody>
+                  <a:tcPr/>
+                </a:tc>
+              </a:tr>
+              <a:tr h="370840">
+                <a:tc>
+                  <a:txBody>
+                    <a:bodyPr/>
+                    <a:lstStyle/>
+                    <a:p>
+                      <a:r>
+                        <a:rPr lang="en-US" dirty="0" smtClean="0"/>
+                        <a:t>RTC</a:t>
+                      </a:r>
+                      <a:endParaRPr lang="es-CR" dirty="0"/>
+                    </a:p>
+                  </a:txBody>
+                  <a:tcPr/>
+                </a:tc>
+                <a:tc>
+                  <a:txBody>
+                    <a:bodyPr/>
+                    <a:lstStyle/>
+                    <a:p>
+                      <a:r>
+                        <a:rPr lang="en-US" dirty="0" smtClean="0"/>
+                        <a:t>17</a:t>
+                      </a:r>
+                      <a:endParaRPr lang="es-CR" dirty="0"/>
+                    </a:p>
+                  </a:txBody>
+                  <a:tcPr/>
+                </a:tc>
+                <a:tc>
+                  <a:txBody>
+                    <a:bodyPr/>
+                    <a:lstStyle/>
+                    <a:p>
+                      <a:r>
+                        <a:rPr lang="es-CR" noProof="0" dirty="0" smtClean="0"/>
+                        <a:t>Salida de</a:t>
+                      </a:r>
+                      <a:r>
+                        <a:rPr lang="es-CR" baseline="0" noProof="0" dirty="0" smtClean="0"/>
+                        <a:t> direcciones al modulo de control de la RTC</a:t>
+                      </a:r>
+                      <a:endParaRPr lang="es-CR" noProof="0" dirty="0"/>
+                    </a:p>
+                  </a:txBody>
+                  <a:tcPr/>
+                </a:tc>
+              </a:tr>
+              <a:tr h="370840">
+                <a:tc>
+                  <a:txBody>
+                    <a:bodyPr/>
+                    <a:lstStyle/>
+                    <a:p>
+                      <a:r>
+                        <a:rPr lang="en-US" dirty="0" smtClean="0"/>
+                        <a:t>Dato_in</a:t>
+                      </a:r>
+                      <a:endParaRPr lang="es-CR" dirty="0"/>
+                    </a:p>
+                  </a:txBody>
+                  <a:tcPr/>
+                </a:tc>
+                <a:tc>
+                  <a:txBody>
+                    <a:bodyPr/>
+                    <a:lstStyle/>
+                    <a:p>
+                      <a:r>
+                        <a:rPr lang="en-US" dirty="0" smtClean="0"/>
+                        <a:t>18</a:t>
+                      </a:r>
+                      <a:endParaRPr lang="es-CR" dirty="0"/>
+                    </a:p>
+                  </a:txBody>
+                  <a:tcPr/>
+                </a:tc>
+                <a:tc>
+                  <a:txBody>
+                    <a:bodyPr/>
+                    <a:lstStyle/>
+                    <a:p>
+                      <a:r>
+                        <a:rPr lang="es-CR" noProof="0" dirty="0" smtClean="0"/>
+                        <a:t>Dato de entrada directamente de</a:t>
+                      </a:r>
+                      <a:r>
+                        <a:rPr lang="es-CR" baseline="0" noProof="0" dirty="0" smtClean="0"/>
+                        <a:t> </a:t>
+                      </a:r>
+                      <a:r>
+                        <a:rPr lang="es-CR" noProof="0" dirty="0" smtClean="0"/>
+                        <a:t>la RTC</a:t>
+                      </a:r>
+                      <a:endParaRPr lang="es-CR" noProof="0" dirty="0"/>
+                    </a:p>
+                  </a:txBody>
+                  <a:tcPr/>
+                </a:tc>
+              </a:tr>
+              <a:tr h="370840">
+                <a:tc>
+                  <a:txBody>
+                    <a:bodyPr/>
+                    <a:lstStyle/>
+                    <a:p>
+                      <a:r>
+                        <a:rPr lang="en-US" dirty="0" smtClean="0"/>
+                        <a:t>Auxiliar</a:t>
+                      </a:r>
+                      <a:endParaRPr lang="es-CR" dirty="0"/>
+                    </a:p>
+                  </a:txBody>
+                  <a:tcPr/>
+                </a:tc>
+                <a:tc>
+                  <a:txBody>
+                    <a:bodyPr/>
+                    <a:lstStyle/>
+                    <a:p>
+                      <a:r>
+                        <a:rPr lang="en-US" dirty="0" smtClean="0"/>
+                        <a:t>33</a:t>
+                      </a:r>
+                      <a:endParaRPr lang="es-CR" dirty="0"/>
+                    </a:p>
+                  </a:txBody>
+                  <a:tcPr/>
+                </a:tc>
+                <a:tc>
+                  <a:txBody>
+                    <a:bodyPr/>
+                    <a:lstStyle/>
+                    <a:p>
+                      <a:r>
+                        <a:rPr lang="es-CR" noProof="0" dirty="0" smtClean="0"/>
+                        <a:t>Datos auxiliares</a:t>
+                      </a:r>
+                      <a:r>
+                        <a:rPr lang="es-CR" baseline="0" noProof="0" dirty="0" smtClean="0"/>
+                        <a:t> de activación de registros o </a:t>
+                      </a:r>
+                      <a:r>
+                        <a:rPr lang="es-CR" baseline="0" noProof="0" dirty="0" err="1" smtClean="0"/>
+                        <a:t>modulos</a:t>
+                      </a:r>
+                      <a:endParaRPr lang="es-CR" noProof="0" dirty="0"/>
+                    </a:p>
+                  </a:txBody>
+                  <a:tcPr/>
+                </a:tc>
+              </a:tr>
+            </a:tbl>
+          </a:graphicData>
+        </a:graphic>
+      </p:graphicFrame>
+    </p:spTree>
+    <p:extLst>
+      <p:ext uri="{BB962C8B-B14F-4D97-AF65-F5344CB8AC3E}">
+        <p14:creationId xmlns:p14="http://schemas.microsoft.com/office/powerpoint/2010/main" val="627853878"/>
+      </p:ext>
+    </p:extLst>
+  </p:cSld>
+  <p:clrMapOvr>
+    <a:masterClrMapping/>
+  </p:clrMapOvr>
+</p:sld>
+</file>
+
 <file path=ppt/theme/theme1.xml><?xml version="1.0" encoding="utf-8"?>
 <a:theme xmlns:a="http://schemas.openxmlformats.org/drawingml/2006/main" name="Tema de Office">
   <a:themeElements>

--- a/Diseños/Diseños.pptx
+++ b/Diseños/Diseños.pptx
@@ -8,12 +8,13 @@
     <p:sldId id="256" r:id="rId2"/>
     <p:sldId id="257" r:id="rId3"/>
     <p:sldId id="258" r:id="rId4"/>
+    <p:sldId id="259" r:id="rId5"/>
   </p:sldIdLst>
   <p:sldSz cx="12192000" cy="6858000"/>
   <p:notesSz cx="6858000" cy="9144000"/>
   <p:defaultTextStyle>
     <a:defPPr>
-      <a:defRPr lang="es-419"/>
+      <a:defRPr lang="x-none"/>
     </a:defPPr>
     <a:lvl1pPr marL="0" algn="l" defTabSz="914400" rtl="0" eaLnBrk="1" latinLnBrk="0" hangingPunct="1">
       <a:defRPr sz="1800" kern="1200">
@@ -159,7 +160,7 @@
               <a:rPr lang="es-ES"/>
               <a:t>Haga clic para modificar el estilo de título del patrón</a:t>
             </a:r>
-            <a:endParaRPr lang="es-419"/>
+            <a:endParaRPr lang="x-none"/>
           </a:p>
         </p:txBody>
       </p:sp>
@@ -224,7 +225,7 @@
               <a:rPr lang="es-ES"/>
               <a:t>Haga clic para editar el estilo de subtítulo del patrón</a:t>
             </a:r>
-            <a:endParaRPr lang="es-419"/>
+            <a:endParaRPr lang="x-none"/>
           </a:p>
         </p:txBody>
       </p:sp>
@@ -244,10 +245,10 @@
           <a:lstStyle/>
           <a:p>
             <a:fld id="{48CC885E-38EE-4EC7-8462-78D20148DC72}" type="datetimeFigureOut">
-              <a:rPr lang="es-419" smtClean="0"/>
-              <a:t>11/10/2016</a:t>
+              <a:rPr lang="x-none" smtClean="0"/>
+              <a:t>12/10/2016</a:t>
             </a:fld>
-            <a:endParaRPr lang="es-419"/>
+            <a:endParaRPr lang="x-none"/>
           </a:p>
         </p:txBody>
       </p:sp>
@@ -266,7 +267,7 @@
           <a:bodyPr/>
           <a:lstStyle/>
           <a:p>
-            <a:endParaRPr lang="es-419"/>
+            <a:endParaRPr lang="x-none"/>
           </a:p>
         </p:txBody>
       </p:sp>
@@ -286,10 +287,10 @@
           <a:lstStyle/>
           <a:p>
             <a:fld id="{1CB891BC-FFC6-4825-A8E1-5D208ACF534C}" type="slidenum">
-              <a:rPr lang="es-419" smtClean="0"/>
-              <a:t>‹#›</a:t>
+              <a:rPr lang="x-none" smtClean="0"/>
+              <a:t>‹Nº›</a:t>
             </a:fld>
-            <a:endParaRPr lang="es-419"/>
+            <a:endParaRPr lang="x-none"/>
           </a:p>
         </p:txBody>
       </p:sp>
@@ -342,7 +343,7 @@
               <a:rPr lang="es-ES"/>
               <a:t>Haga clic para modificar el estilo de título del patrón</a:t>
             </a:r>
-            <a:endParaRPr lang="es-419"/>
+            <a:endParaRPr lang="x-none"/>
           </a:p>
         </p:txBody>
       </p:sp>
@@ -394,7 +395,7 @@
               <a:rPr lang="es-ES"/>
               <a:t>Quinto nivel</a:t>
             </a:r>
-            <a:endParaRPr lang="es-419"/>
+            <a:endParaRPr lang="x-none"/>
           </a:p>
         </p:txBody>
       </p:sp>
@@ -414,10 +415,10 @@
           <a:lstStyle/>
           <a:p>
             <a:fld id="{48CC885E-38EE-4EC7-8462-78D20148DC72}" type="datetimeFigureOut">
-              <a:rPr lang="es-419" smtClean="0"/>
-              <a:t>11/10/2016</a:t>
+              <a:rPr lang="x-none" smtClean="0"/>
+              <a:t>12/10/2016</a:t>
             </a:fld>
-            <a:endParaRPr lang="es-419"/>
+            <a:endParaRPr lang="x-none"/>
           </a:p>
         </p:txBody>
       </p:sp>
@@ -436,7 +437,7 @@
           <a:bodyPr/>
           <a:lstStyle/>
           <a:p>
-            <a:endParaRPr lang="es-419"/>
+            <a:endParaRPr lang="x-none"/>
           </a:p>
         </p:txBody>
       </p:sp>
@@ -456,10 +457,10 @@
           <a:lstStyle/>
           <a:p>
             <a:fld id="{1CB891BC-FFC6-4825-A8E1-5D208ACF534C}" type="slidenum">
-              <a:rPr lang="es-419" smtClean="0"/>
-              <a:t>‹#›</a:t>
+              <a:rPr lang="x-none" smtClean="0"/>
+              <a:t>‹Nº›</a:t>
             </a:fld>
-            <a:endParaRPr lang="es-419"/>
+            <a:endParaRPr lang="x-none"/>
           </a:p>
         </p:txBody>
       </p:sp>
@@ -517,7 +518,7 @@
               <a:rPr lang="es-ES"/>
               <a:t>Haga clic para modificar el estilo de título del patrón</a:t>
             </a:r>
-            <a:endParaRPr lang="es-419"/>
+            <a:endParaRPr lang="x-none"/>
           </a:p>
         </p:txBody>
       </p:sp>
@@ -574,7 +575,7 @@
               <a:rPr lang="es-ES"/>
               <a:t>Quinto nivel</a:t>
             </a:r>
-            <a:endParaRPr lang="es-419"/>
+            <a:endParaRPr lang="x-none"/>
           </a:p>
         </p:txBody>
       </p:sp>
@@ -594,10 +595,10 @@
           <a:lstStyle/>
           <a:p>
             <a:fld id="{48CC885E-38EE-4EC7-8462-78D20148DC72}" type="datetimeFigureOut">
-              <a:rPr lang="es-419" smtClean="0"/>
-              <a:t>11/10/2016</a:t>
+              <a:rPr lang="x-none" smtClean="0"/>
+              <a:t>12/10/2016</a:t>
             </a:fld>
-            <a:endParaRPr lang="es-419"/>
+            <a:endParaRPr lang="x-none"/>
           </a:p>
         </p:txBody>
       </p:sp>
@@ -616,7 +617,7 @@
           <a:bodyPr/>
           <a:lstStyle/>
           <a:p>
-            <a:endParaRPr lang="es-419"/>
+            <a:endParaRPr lang="x-none"/>
           </a:p>
         </p:txBody>
       </p:sp>
@@ -636,10 +637,10 @@
           <a:lstStyle/>
           <a:p>
             <a:fld id="{1CB891BC-FFC6-4825-A8E1-5D208ACF534C}" type="slidenum">
-              <a:rPr lang="es-419" smtClean="0"/>
-              <a:t>‹#›</a:t>
+              <a:rPr lang="x-none" smtClean="0"/>
+              <a:t>‹Nº›</a:t>
             </a:fld>
-            <a:endParaRPr lang="es-419"/>
+            <a:endParaRPr lang="x-none"/>
           </a:p>
         </p:txBody>
       </p:sp>
@@ -692,7 +693,7 @@
               <a:rPr lang="es-ES"/>
               <a:t>Haga clic para modificar el estilo de título del patrón</a:t>
             </a:r>
-            <a:endParaRPr lang="es-419"/>
+            <a:endParaRPr lang="x-none"/>
           </a:p>
         </p:txBody>
       </p:sp>
@@ -744,7 +745,7 @@
               <a:rPr lang="es-ES"/>
               <a:t>Quinto nivel</a:t>
             </a:r>
-            <a:endParaRPr lang="es-419"/>
+            <a:endParaRPr lang="x-none"/>
           </a:p>
         </p:txBody>
       </p:sp>
@@ -764,10 +765,10 @@
           <a:lstStyle/>
           <a:p>
             <a:fld id="{48CC885E-38EE-4EC7-8462-78D20148DC72}" type="datetimeFigureOut">
-              <a:rPr lang="es-419" smtClean="0"/>
-              <a:t>11/10/2016</a:t>
+              <a:rPr lang="x-none" smtClean="0"/>
+              <a:t>12/10/2016</a:t>
             </a:fld>
-            <a:endParaRPr lang="es-419"/>
+            <a:endParaRPr lang="x-none"/>
           </a:p>
         </p:txBody>
       </p:sp>
@@ -786,7 +787,7 @@
           <a:bodyPr/>
           <a:lstStyle/>
           <a:p>
-            <a:endParaRPr lang="es-419"/>
+            <a:endParaRPr lang="x-none"/>
           </a:p>
         </p:txBody>
       </p:sp>
@@ -806,10 +807,10 @@
           <a:lstStyle/>
           <a:p>
             <a:fld id="{1CB891BC-FFC6-4825-A8E1-5D208ACF534C}" type="slidenum">
-              <a:rPr lang="es-419" smtClean="0"/>
-              <a:t>‹#›</a:t>
+              <a:rPr lang="x-none" smtClean="0"/>
+              <a:t>‹Nº›</a:t>
             </a:fld>
-            <a:endParaRPr lang="es-419"/>
+            <a:endParaRPr lang="x-none"/>
           </a:p>
         </p:txBody>
       </p:sp>
@@ -871,7 +872,7 @@
               <a:rPr lang="es-ES"/>
               <a:t>Haga clic para modificar el estilo de título del patrón</a:t>
             </a:r>
-            <a:endParaRPr lang="es-419"/>
+            <a:endParaRPr lang="x-none"/>
           </a:p>
         </p:txBody>
       </p:sp>
@@ -1010,10 +1011,10 @@
           <a:lstStyle/>
           <a:p>
             <a:fld id="{48CC885E-38EE-4EC7-8462-78D20148DC72}" type="datetimeFigureOut">
-              <a:rPr lang="es-419" smtClean="0"/>
-              <a:t>11/10/2016</a:t>
+              <a:rPr lang="x-none" smtClean="0"/>
+              <a:t>12/10/2016</a:t>
             </a:fld>
-            <a:endParaRPr lang="es-419"/>
+            <a:endParaRPr lang="x-none"/>
           </a:p>
         </p:txBody>
       </p:sp>
@@ -1032,7 +1033,7 @@
           <a:bodyPr/>
           <a:lstStyle/>
           <a:p>
-            <a:endParaRPr lang="es-419"/>
+            <a:endParaRPr lang="x-none"/>
           </a:p>
         </p:txBody>
       </p:sp>
@@ -1052,10 +1053,10 @@
           <a:lstStyle/>
           <a:p>
             <a:fld id="{1CB891BC-FFC6-4825-A8E1-5D208ACF534C}" type="slidenum">
-              <a:rPr lang="es-419" smtClean="0"/>
-              <a:t>‹#›</a:t>
+              <a:rPr lang="x-none" smtClean="0"/>
+              <a:t>‹Nº›</a:t>
             </a:fld>
-            <a:endParaRPr lang="es-419"/>
+            <a:endParaRPr lang="x-none"/>
           </a:p>
         </p:txBody>
       </p:sp>
@@ -1108,7 +1109,7 @@
               <a:rPr lang="es-ES"/>
               <a:t>Haga clic para modificar el estilo de título del patrón</a:t>
             </a:r>
-            <a:endParaRPr lang="es-419"/>
+            <a:endParaRPr lang="x-none"/>
           </a:p>
         </p:txBody>
       </p:sp>
@@ -1165,7 +1166,7 @@
               <a:rPr lang="es-ES"/>
               <a:t>Quinto nivel</a:t>
             </a:r>
-            <a:endParaRPr lang="es-419"/>
+            <a:endParaRPr lang="x-none"/>
           </a:p>
         </p:txBody>
       </p:sp>
@@ -1222,7 +1223,7 @@
               <a:rPr lang="es-ES"/>
               <a:t>Quinto nivel</a:t>
             </a:r>
-            <a:endParaRPr lang="es-419"/>
+            <a:endParaRPr lang="x-none"/>
           </a:p>
         </p:txBody>
       </p:sp>
@@ -1242,10 +1243,10 @@
           <a:lstStyle/>
           <a:p>
             <a:fld id="{48CC885E-38EE-4EC7-8462-78D20148DC72}" type="datetimeFigureOut">
-              <a:rPr lang="es-419" smtClean="0"/>
-              <a:t>11/10/2016</a:t>
+              <a:rPr lang="x-none" smtClean="0"/>
+              <a:t>12/10/2016</a:t>
             </a:fld>
-            <a:endParaRPr lang="es-419"/>
+            <a:endParaRPr lang="x-none"/>
           </a:p>
         </p:txBody>
       </p:sp>
@@ -1264,7 +1265,7 @@
           <a:bodyPr/>
           <a:lstStyle/>
           <a:p>
-            <a:endParaRPr lang="es-419"/>
+            <a:endParaRPr lang="x-none"/>
           </a:p>
         </p:txBody>
       </p:sp>
@@ -1284,10 +1285,10 @@
           <a:lstStyle/>
           <a:p>
             <a:fld id="{1CB891BC-FFC6-4825-A8E1-5D208ACF534C}" type="slidenum">
-              <a:rPr lang="es-419" smtClean="0"/>
-              <a:t>‹#›</a:t>
+              <a:rPr lang="x-none" smtClean="0"/>
+              <a:t>‹Nº›</a:t>
             </a:fld>
-            <a:endParaRPr lang="es-419"/>
+            <a:endParaRPr lang="x-none"/>
           </a:p>
         </p:txBody>
       </p:sp>
@@ -1345,7 +1346,7 @@
               <a:rPr lang="es-ES"/>
               <a:t>Haga clic para modificar el estilo de título del patrón</a:t>
             </a:r>
-            <a:endParaRPr lang="es-419"/>
+            <a:endParaRPr lang="x-none"/>
           </a:p>
         </p:txBody>
       </p:sp>
@@ -1467,7 +1468,7 @@
               <a:rPr lang="es-ES"/>
               <a:t>Quinto nivel</a:t>
             </a:r>
-            <a:endParaRPr lang="es-419"/>
+            <a:endParaRPr lang="x-none"/>
           </a:p>
         </p:txBody>
       </p:sp>
@@ -1589,7 +1590,7 @@
               <a:rPr lang="es-ES"/>
               <a:t>Quinto nivel</a:t>
             </a:r>
-            <a:endParaRPr lang="es-419"/>
+            <a:endParaRPr lang="x-none"/>
           </a:p>
         </p:txBody>
       </p:sp>
@@ -1609,10 +1610,10 @@
           <a:lstStyle/>
           <a:p>
             <a:fld id="{48CC885E-38EE-4EC7-8462-78D20148DC72}" type="datetimeFigureOut">
-              <a:rPr lang="es-419" smtClean="0"/>
-              <a:t>11/10/2016</a:t>
+              <a:rPr lang="x-none" smtClean="0"/>
+              <a:t>12/10/2016</a:t>
             </a:fld>
-            <a:endParaRPr lang="es-419"/>
+            <a:endParaRPr lang="x-none"/>
           </a:p>
         </p:txBody>
       </p:sp>
@@ -1631,7 +1632,7 @@
           <a:bodyPr/>
           <a:lstStyle/>
           <a:p>
-            <a:endParaRPr lang="es-419"/>
+            <a:endParaRPr lang="x-none"/>
           </a:p>
         </p:txBody>
       </p:sp>
@@ -1651,10 +1652,10 @@
           <a:lstStyle/>
           <a:p>
             <a:fld id="{1CB891BC-FFC6-4825-A8E1-5D208ACF534C}" type="slidenum">
-              <a:rPr lang="es-419" smtClean="0"/>
-              <a:t>‹#›</a:t>
+              <a:rPr lang="x-none" smtClean="0"/>
+              <a:t>‹Nº›</a:t>
             </a:fld>
-            <a:endParaRPr lang="es-419"/>
+            <a:endParaRPr lang="x-none"/>
           </a:p>
         </p:txBody>
       </p:sp>
@@ -1707,7 +1708,7 @@
               <a:rPr lang="es-ES"/>
               <a:t>Haga clic para modificar el estilo de título del patrón</a:t>
             </a:r>
-            <a:endParaRPr lang="es-419"/>
+            <a:endParaRPr lang="x-none"/>
           </a:p>
         </p:txBody>
       </p:sp>
@@ -1727,10 +1728,10 @@
           <a:lstStyle/>
           <a:p>
             <a:fld id="{48CC885E-38EE-4EC7-8462-78D20148DC72}" type="datetimeFigureOut">
-              <a:rPr lang="es-419" smtClean="0"/>
-              <a:t>11/10/2016</a:t>
+              <a:rPr lang="x-none" smtClean="0"/>
+              <a:t>12/10/2016</a:t>
             </a:fld>
-            <a:endParaRPr lang="es-419"/>
+            <a:endParaRPr lang="x-none"/>
           </a:p>
         </p:txBody>
       </p:sp>
@@ -1749,7 +1750,7 @@
           <a:bodyPr/>
           <a:lstStyle/>
           <a:p>
-            <a:endParaRPr lang="es-419"/>
+            <a:endParaRPr lang="x-none"/>
           </a:p>
         </p:txBody>
       </p:sp>
@@ -1769,10 +1770,10 @@
           <a:lstStyle/>
           <a:p>
             <a:fld id="{1CB891BC-FFC6-4825-A8E1-5D208ACF534C}" type="slidenum">
-              <a:rPr lang="es-419" smtClean="0"/>
-              <a:t>‹#›</a:t>
+              <a:rPr lang="x-none" smtClean="0"/>
+              <a:t>‹Nº›</a:t>
             </a:fld>
-            <a:endParaRPr lang="es-419"/>
+            <a:endParaRPr lang="x-none"/>
           </a:p>
         </p:txBody>
       </p:sp>
@@ -1822,10 +1823,10 @@
           <a:lstStyle/>
           <a:p>
             <a:fld id="{48CC885E-38EE-4EC7-8462-78D20148DC72}" type="datetimeFigureOut">
-              <a:rPr lang="es-419" smtClean="0"/>
-              <a:t>11/10/2016</a:t>
+              <a:rPr lang="x-none" smtClean="0"/>
+              <a:t>12/10/2016</a:t>
             </a:fld>
-            <a:endParaRPr lang="es-419"/>
+            <a:endParaRPr lang="x-none"/>
           </a:p>
         </p:txBody>
       </p:sp>
@@ -1844,7 +1845,7 @@
           <a:bodyPr/>
           <a:lstStyle/>
           <a:p>
-            <a:endParaRPr lang="es-419"/>
+            <a:endParaRPr lang="x-none"/>
           </a:p>
         </p:txBody>
       </p:sp>
@@ -1864,10 +1865,10 @@
           <a:lstStyle/>
           <a:p>
             <a:fld id="{1CB891BC-FFC6-4825-A8E1-5D208ACF534C}" type="slidenum">
-              <a:rPr lang="es-419" smtClean="0"/>
-              <a:t>‹#›</a:t>
+              <a:rPr lang="x-none" smtClean="0"/>
+              <a:t>‹Nº›</a:t>
             </a:fld>
-            <a:endParaRPr lang="es-419"/>
+            <a:endParaRPr lang="x-none"/>
           </a:p>
         </p:txBody>
       </p:sp>
@@ -1929,7 +1930,7 @@
               <a:rPr lang="es-ES"/>
               <a:t>Haga clic para modificar el estilo de título del patrón</a:t>
             </a:r>
-            <a:endParaRPr lang="es-419"/>
+            <a:endParaRPr lang="x-none"/>
           </a:p>
         </p:txBody>
       </p:sp>
@@ -2014,7 +2015,7 @@
               <a:rPr lang="es-ES"/>
               <a:t>Quinto nivel</a:t>
             </a:r>
-            <a:endParaRPr lang="es-419"/>
+            <a:endParaRPr lang="x-none"/>
           </a:p>
         </p:txBody>
       </p:sp>
@@ -2099,10 +2100,10 @@
           <a:lstStyle/>
           <a:p>
             <a:fld id="{48CC885E-38EE-4EC7-8462-78D20148DC72}" type="datetimeFigureOut">
-              <a:rPr lang="es-419" smtClean="0"/>
-              <a:t>11/10/2016</a:t>
+              <a:rPr lang="x-none" smtClean="0"/>
+              <a:t>12/10/2016</a:t>
             </a:fld>
-            <a:endParaRPr lang="es-419"/>
+            <a:endParaRPr lang="x-none"/>
           </a:p>
         </p:txBody>
       </p:sp>
@@ -2121,7 +2122,7 @@
           <a:bodyPr/>
           <a:lstStyle/>
           <a:p>
-            <a:endParaRPr lang="es-419"/>
+            <a:endParaRPr lang="x-none"/>
           </a:p>
         </p:txBody>
       </p:sp>
@@ -2141,10 +2142,10 @@
           <a:lstStyle/>
           <a:p>
             <a:fld id="{1CB891BC-FFC6-4825-A8E1-5D208ACF534C}" type="slidenum">
-              <a:rPr lang="es-419" smtClean="0"/>
-              <a:t>‹#›</a:t>
+              <a:rPr lang="x-none" smtClean="0"/>
+              <a:t>‹Nº›</a:t>
             </a:fld>
-            <a:endParaRPr lang="es-419"/>
+            <a:endParaRPr lang="x-none"/>
           </a:p>
         </p:txBody>
       </p:sp>
@@ -2206,7 +2207,7 @@
               <a:rPr lang="es-ES"/>
               <a:t>Haga clic para modificar el estilo de título del patrón</a:t>
             </a:r>
-            <a:endParaRPr lang="es-419"/>
+            <a:endParaRPr lang="x-none"/>
           </a:p>
         </p:txBody>
       </p:sp>
@@ -2267,7 +2268,7 @@
             </a:lvl9pPr>
           </a:lstStyle>
           <a:p>
-            <a:endParaRPr lang="es-419"/>
+            <a:endParaRPr lang="x-none"/>
           </a:p>
         </p:txBody>
       </p:sp>
@@ -2352,10 +2353,10 @@
           <a:lstStyle/>
           <a:p>
             <a:fld id="{48CC885E-38EE-4EC7-8462-78D20148DC72}" type="datetimeFigureOut">
-              <a:rPr lang="es-419" smtClean="0"/>
-              <a:t>11/10/2016</a:t>
+              <a:rPr lang="x-none" smtClean="0"/>
+              <a:t>12/10/2016</a:t>
             </a:fld>
-            <a:endParaRPr lang="es-419"/>
+            <a:endParaRPr lang="x-none"/>
           </a:p>
         </p:txBody>
       </p:sp>
@@ -2374,7 +2375,7 @@
           <a:bodyPr/>
           <a:lstStyle/>
           <a:p>
-            <a:endParaRPr lang="es-419"/>
+            <a:endParaRPr lang="x-none"/>
           </a:p>
         </p:txBody>
       </p:sp>
@@ -2394,10 +2395,10 @@
           <a:lstStyle/>
           <a:p>
             <a:fld id="{1CB891BC-FFC6-4825-A8E1-5D208ACF534C}" type="slidenum">
-              <a:rPr lang="es-419" smtClean="0"/>
-              <a:t>‹#›</a:t>
+              <a:rPr lang="x-none" smtClean="0"/>
+              <a:t>‹Nº›</a:t>
             </a:fld>
-            <a:endParaRPr lang="es-419"/>
+            <a:endParaRPr lang="x-none"/>
           </a:p>
         </p:txBody>
       </p:sp>
@@ -2465,7 +2466,7 @@
               <a:rPr lang="es-ES"/>
               <a:t>Haga clic para modificar el estilo de título del patrón</a:t>
             </a:r>
-            <a:endParaRPr lang="es-419"/>
+            <a:endParaRPr lang="x-none"/>
           </a:p>
         </p:txBody>
       </p:sp>
@@ -2527,7 +2528,7 @@
               <a:rPr lang="es-ES"/>
               <a:t>Quinto nivel</a:t>
             </a:r>
-            <a:endParaRPr lang="es-419"/>
+            <a:endParaRPr lang="x-none"/>
           </a:p>
         </p:txBody>
       </p:sp>
@@ -2565,10 +2566,10 @@
           </a:lstStyle>
           <a:p>
             <a:fld id="{48CC885E-38EE-4EC7-8462-78D20148DC72}" type="datetimeFigureOut">
-              <a:rPr lang="es-419" smtClean="0"/>
-              <a:t>11/10/2016</a:t>
+              <a:rPr lang="x-none" smtClean="0"/>
+              <a:t>12/10/2016</a:t>
             </a:fld>
-            <a:endParaRPr lang="es-419"/>
+            <a:endParaRPr lang="x-none"/>
           </a:p>
         </p:txBody>
       </p:sp>
@@ -2605,7 +2606,7 @@
             </a:lvl1pPr>
           </a:lstStyle>
           <a:p>
-            <a:endParaRPr lang="es-419"/>
+            <a:endParaRPr lang="x-none"/>
           </a:p>
         </p:txBody>
       </p:sp>
@@ -2643,10 +2644,10 @@
           </a:lstStyle>
           <a:p>
             <a:fld id="{1CB891BC-FFC6-4825-A8E1-5D208ACF534C}" type="slidenum">
-              <a:rPr lang="es-419" smtClean="0"/>
-              <a:t>‹#›</a:t>
+              <a:rPr lang="x-none" smtClean="0"/>
+              <a:t>‹Nº›</a:t>
             </a:fld>
-            <a:endParaRPr lang="es-419"/>
+            <a:endParaRPr lang="x-none"/>
           </a:p>
         </p:txBody>
       </p:sp>
@@ -2857,7 +2858,7 @@
     </p:bodyStyle>
     <p:otherStyle>
       <a:defPPr>
-        <a:defRPr lang="es-419"/>
+        <a:defRPr lang="x-none"/>
       </a:defPPr>
       <a:lvl1pPr marL="0" algn="l" defTabSz="914400" rtl="0" eaLnBrk="1" latinLnBrk="0" hangingPunct="1">
         <a:defRPr sz="1800" kern="1200">
@@ -3021,7 +3022,7 @@
             <a:lstStyle/>
             <a:p>
               <a:pPr algn="ctr"/>
-              <a:endParaRPr lang="es-419"/>
+              <a:endParaRPr lang="x-none"/>
             </a:p>
           </p:txBody>
         </p:sp>
@@ -3061,7 +3062,7 @@
             <a:lstStyle/>
             <a:p>
               <a:pPr algn="ctr"/>
-              <a:endParaRPr lang="es-419"/>
+              <a:endParaRPr lang="x-none"/>
             </a:p>
           </p:txBody>
         </p:sp>
@@ -3101,7 +3102,7 @@
             <a:lstStyle/>
             <a:p>
               <a:pPr algn="ctr"/>
-              <a:endParaRPr lang="es-419"/>
+              <a:endParaRPr lang="x-none"/>
             </a:p>
           </p:txBody>
         </p:sp>
@@ -3141,7 +3142,7 @@
             <a:lstStyle/>
             <a:p>
               <a:pPr algn="ctr"/>
-              <a:endParaRPr lang="es-419"/>
+              <a:endParaRPr lang="x-none"/>
             </a:p>
           </p:txBody>
         </p:sp>
@@ -3181,7 +3182,7 @@
             <a:lstStyle/>
             <a:p>
               <a:pPr algn="ctr"/>
-              <a:endParaRPr lang="es-419"/>
+              <a:endParaRPr lang="x-none"/>
             </a:p>
           </p:txBody>
         </p:sp>
@@ -3221,7 +3222,7 @@
             <a:lstStyle/>
             <a:p>
               <a:pPr algn="ctr"/>
-              <a:endParaRPr lang="es-419"/>
+              <a:endParaRPr lang="x-none"/>
             </a:p>
           </p:txBody>
         </p:sp>
@@ -3259,7 +3260,7 @@
             <a:lstStyle/>
             <a:p>
               <a:pPr algn="ctr"/>
-              <a:endParaRPr lang="es-419"/>
+              <a:endParaRPr lang="x-none"/>
             </a:p>
           </p:txBody>
         </p:sp>
@@ -3297,7 +3298,7 @@
             <a:lstStyle/>
             <a:p>
               <a:pPr algn="ctr"/>
-              <a:endParaRPr lang="es-419"/>
+              <a:endParaRPr lang="x-none"/>
             </a:p>
           </p:txBody>
         </p:sp>
@@ -3337,7 +3338,7 @@
             <a:lstStyle/>
             <a:p>
               <a:pPr algn="ctr"/>
-              <a:endParaRPr lang="es-419"/>
+              <a:endParaRPr lang="x-none"/>
             </a:p>
           </p:txBody>
         </p:sp>
@@ -3377,7 +3378,7 @@
             <a:lstStyle/>
             <a:p>
               <a:pPr algn="ctr"/>
-              <a:endParaRPr lang="es-419"/>
+              <a:endParaRPr lang="x-none"/>
             </a:p>
           </p:txBody>
         </p:sp>
@@ -3417,7 +3418,7 @@
             <a:lstStyle/>
             <a:p>
               <a:pPr algn="ctr"/>
-              <a:endParaRPr lang="es-419"/>
+              <a:endParaRPr lang="x-none"/>
             </a:p>
           </p:txBody>
         </p:sp>
@@ -3457,7 +3458,7 @@
             <a:lstStyle/>
             <a:p>
               <a:pPr algn="ctr"/>
-              <a:endParaRPr lang="es-419"/>
+              <a:endParaRPr lang="x-none"/>
             </a:p>
           </p:txBody>
         </p:sp>
@@ -3497,7 +3498,7 @@
             <a:lstStyle/>
             <a:p>
               <a:pPr algn="ctr"/>
-              <a:endParaRPr lang="es-419"/>
+              <a:endParaRPr lang="x-none"/>
             </a:p>
           </p:txBody>
         </p:sp>
@@ -3537,7 +3538,7 @@
             <a:lstStyle/>
             <a:p>
               <a:pPr algn="ctr"/>
-              <a:endParaRPr lang="es-419"/>
+              <a:endParaRPr lang="x-none"/>
             </a:p>
           </p:txBody>
         </p:sp>
@@ -3577,7 +3578,7 @@
             <a:lstStyle/>
             <a:p>
               <a:pPr algn="ctr"/>
-              <a:endParaRPr lang="es-419"/>
+              <a:endParaRPr lang="x-none"/>
             </a:p>
           </p:txBody>
         </p:sp>
@@ -3617,7 +3618,7 @@
             <a:lstStyle/>
             <a:p>
               <a:pPr algn="ctr"/>
-              <a:endParaRPr lang="es-419"/>
+              <a:endParaRPr lang="x-none"/>
             </a:p>
           </p:txBody>
         </p:sp>
@@ -3657,7 +3658,7 @@
             <a:lstStyle/>
             <a:p>
               <a:pPr algn="ctr"/>
-              <a:endParaRPr lang="es-419"/>
+              <a:endParaRPr lang="x-none"/>
             </a:p>
           </p:txBody>
         </p:sp>
@@ -3697,7 +3698,7 @@
             <a:lstStyle/>
             <a:p>
               <a:pPr algn="ctr"/>
-              <a:endParaRPr lang="es-419"/>
+              <a:endParaRPr lang="x-none"/>
             </a:p>
           </p:txBody>
         </p:sp>
@@ -3737,7 +3738,7 @@
             <a:lstStyle/>
             <a:p>
               <a:pPr algn="ctr"/>
-              <a:endParaRPr lang="es-419"/>
+              <a:endParaRPr lang="x-none"/>
             </a:p>
           </p:txBody>
         </p:sp>
@@ -3777,7 +3778,7 @@
             <a:lstStyle/>
             <a:p>
               <a:pPr algn="ctr"/>
-              <a:endParaRPr lang="es-419"/>
+              <a:endParaRPr lang="x-none"/>
             </a:p>
           </p:txBody>
         </p:sp>
@@ -3817,7 +3818,7 @@
             <a:lstStyle/>
             <a:p>
               <a:pPr algn="ctr"/>
-              <a:endParaRPr lang="es-419"/>
+              <a:endParaRPr lang="x-none"/>
             </a:p>
           </p:txBody>
         </p:sp>
@@ -3857,7 +3858,7 @@
             <a:lstStyle/>
             <a:p>
               <a:pPr algn="ctr"/>
-              <a:endParaRPr lang="es-419"/>
+              <a:endParaRPr lang="x-none"/>
             </a:p>
           </p:txBody>
         </p:sp>
@@ -3897,7 +3898,7 @@
             <a:lstStyle/>
             <a:p>
               <a:pPr algn="ctr"/>
-              <a:endParaRPr lang="es-419"/>
+              <a:endParaRPr lang="x-none"/>
             </a:p>
           </p:txBody>
         </p:sp>
@@ -3937,7 +3938,7 @@
             <a:lstStyle/>
             <a:p>
               <a:pPr algn="ctr"/>
-              <a:endParaRPr lang="es-419"/>
+              <a:endParaRPr lang="x-none"/>
             </a:p>
           </p:txBody>
         </p:sp>
@@ -3986,7 +3987,7 @@
                 <a:rPr lang="es-US" sz="1400" dirty="0"/>
                 <a:t>Audio</a:t>
               </a:r>
-              <a:endParaRPr lang="es-419" sz="1400" dirty="0"/>
+              <a:endParaRPr lang="x-none" sz="1400" dirty="0"/>
             </a:p>
           </p:txBody>
         </p:sp>
@@ -4035,7 +4036,7 @@
                 <a:rPr lang="es-US" sz="1400" dirty="0"/>
                 <a:t>VGA</a:t>
               </a:r>
-              <a:endParaRPr lang="es-419" sz="1400" dirty="0"/>
+              <a:endParaRPr lang="x-none" sz="1400" dirty="0"/>
             </a:p>
           </p:txBody>
         </p:sp>
@@ -4322,7 +4323,7 @@
                 <a:rPr lang="es-US" sz="1200" dirty="0"/>
                 <a:t>Speaker</a:t>
               </a:r>
-              <a:endParaRPr lang="es-419" sz="1200" dirty="0"/>
+              <a:endParaRPr lang="x-none" sz="1200" dirty="0"/>
             </a:p>
           </p:txBody>
         </p:sp>
@@ -4387,7 +4388,7 @@
                 <a:rPr lang="es-US" sz="1200" dirty="0"/>
                 <a:t>Monitor</a:t>
               </a:r>
-              <a:endParaRPr lang="es-419" sz="1200" dirty="0"/>
+              <a:endParaRPr lang="x-none" sz="1200" dirty="0"/>
             </a:p>
           </p:txBody>
         </p:sp>
@@ -4417,7 +4418,7 @@
                 <a:rPr lang="es-US" sz="1200" dirty="0"/>
                 <a:t>Port ID</a:t>
               </a:r>
-              <a:endParaRPr lang="es-419" sz="1200" dirty="0"/>
+              <a:endParaRPr lang="x-none" sz="1200" dirty="0"/>
             </a:p>
           </p:txBody>
         </p:sp>
@@ -4447,7 +4448,7 @@
                 <a:rPr lang="es-US" sz="1200" dirty="0" err="1"/>
                 <a:t>DataOut</a:t>
               </a:r>
-              <a:endParaRPr lang="es-419" sz="1200" dirty="0"/>
+              <a:endParaRPr lang="x-none" sz="1200" dirty="0"/>
             </a:p>
           </p:txBody>
         </p:sp>
@@ -4485,7 +4486,7 @@
                 <a:rPr lang="es-US" sz="1200" dirty="0" err="1"/>
                 <a:t>Read_Strobe</a:t>
               </a:r>
-              <a:endParaRPr lang="es-419" sz="1200" dirty="0"/>
+              <a:endParaRPr lang="x-none" sz="1200" dirty="0"/>
             </a:p>
           </p:txBody>
         </p:sp>
@@ -4534,7 +4535,7 @@
                 <a:rPr lang="es-US" dirty="0"/>
                 <a:t>Instrucciones</a:t>
               </a:r>
-              <a:endParaRPr lang="es-419" dirty="0"/>
+              <a:endParaRPr lang="x-none" dirty="0"/>
             </a:p>
           </p:txBody>
         </p:sp>
@@ -4689,7 +4690,7 @@
                 <a:rPr lang="es-US" sz="1200" dirty="0" err="1"/>
                 <a:t>AddrROM</a:t>
               </a:r>
-              <a:endParaRPr lang="es-419" sz="1200" dirty="0"/>
+              <a:endParaRPr lang="x-none" sz="1200" dirty="0"/>
             </a:p>
           </p:txBody>
         </p:sp>
@@ -4719,7 +4720,7 @@
                 <a:rPr lang="es-US" sz="1200" dirty="0" err="1"/>
                 <a:t>DatROM</a:t>
               </a:r>
-              <a:endParaRPr lang="es-419" sz="1200" dirty="0"/>
+              <a:endParaRPr lang="x-none" sz="1200" dirty="0"/>
             </a:p>
           </p:txBody>
         </p:sp>
@@ -4766,7 +4767,7 @@
                 <a:rPr lang="es-US" sz="1200" dirty="0" err="1"/>
                 <a:t>Read</a:t>
               </a:r>
-              <a:endParaRPr lang="es-419" sz="1200" dirty="0"/>
+              <a:endParaRPr lang="x-none" sz="1200" dirty="0"/>
             </a:p>
           </p:txBody>
         </p:sp>
@@ -4815,7 +4816,7 @@
                 <a:rPr lang="es-US" sz="1400" dirty="0"/>
                 <a:t>Teclado</a:t>
               </a:r>
-              <a:endParaRPr lang="es-419" sz="1400" dirty="0"/>
+              <a:endParaRPr lang="x-none" sz="1400" dirty="0"/>
             </a:p>
           </p:txBody>
         </p:sp>
@@ -4936,7 +4937,7 @@
                 <a:rPr lang="es-US" sz="1200" dirty="0" err="1"/>
                 <a:t>DataIN</a:t>
               </a:r>
-              <a:endParaRPr lang="es-419" sz="1200" dirty="0"/>
+              <a:endParaRPr lang="x-none" sz="1200" dirty="0"/>
             </a:p>
           </p:txBody>
         </p:sp>
@@ -5023,7 +5024,7 @@
                 <a:rPr lang="es-US" sz="1400" dirty="0"/>
                 <a:t>RTC</a:t>
               </a:r>
-              <a:endParaRPr lang="es-419" sz="1400" dirty="0"/>
+              <a:endParaRPr lang="x-none" sz="1400" dirty="0"/>
             </a:p>
           </p:txBody>
         </p:sp>
@@ -5220,7 +5221,7 @@
                 <a:rPr lang="es-US" sz="1200" dirty="0" err="1"/>
                 <a:t>DataOut</a:t>
               </a:r>
-              <a:endParaRPr lang="es-419" sz="1200" dirty="0"/>
+              <a:endParaRPr lang="x-none" sz="1200" dirty="0"/>
             </a:p>
           </p:txBody>
         </p:sp>
@@ -5258,7 +5259,7 @@
             <a:lstStyle/>
             <a:p>
               <a:pPr algn="ctr"/>
-              <a:endParaRPr lang="es-419"/>
+              <a:endParaRPr lang="x-none"/>
             </a:p>
           </p:txBody>
         </p:sp>
@@ -5296,7 +5297,7 @@
             <a:lstStyle/>
             <a:p>
               <a:pPr algn="ctr"/>
-              <a:endParaRPr lang="es-419"/>
+              <a:endParaRPr lang="x-none"/>
             </a:p>
           </p:txBody>
         </p:sp>
@@ -5334,7 +5335,7 @@
             <a:lstStyle/>
             <a:p>
               <a:pPr algn="ctr"/>
-              <a:endParaRPr lang="es-419"/>
+              <a:endParaRPr lang="x-none"/>
             </a:p>
           </p:txBody>
         </p:sp>
@@ -5372,7 +5373,7 @@
             <a:lstStyle/>
             <a:p>
               <a:pPr algn="ctr"/>
-              <a:endParaRPr lang="es-419"/>
+              <a:endParaRPr lang="x-none"/>
             </a:p>
           </p:txBody>
         </p:sp>
@@ -5410,7 +5411,7 @@
             <a:lstStyle/>
             <a:p>
               <a:pPr algn="ctr"/>
-              <a:endParaRPr lang="es-419"/>
+              <a:endParaRPr lang="x-none"/>
             </a:p>
           </p:txBody>
         </p:sp>
@@ -5485,7 +5486,7 @@
             <a:lstStyle/>
             <a:p>
               <a:pPr algn="ctr"/>
-              <a:endParaRPr lang="es-419"/>
+              <a:endParaRPr lang="x-none"/>
             </a:p>
           </p:txBody>
         </p:sp>
@@ -5515,7 +5516,7 @@
                 <a:rPr lang="es-US" sz="1200" dirty="0"/>
                 <a:t>RTC</a:t>
               </a:r>
-              <a:endParaRPr lang="es-419" sz="1200" dirty="0"/>
+              <a:endParaRPr lang="x-none" sz="1200" dirty="0"/>
             </a:p>
           </p:txBody>
         </p:sp>
@@ -5545,7 +5546,7 @@
                 <a:rPr lang="es-US" sz="1200" dirty="0"/>
                 <a:t>PS2</a:t>
               </a:r>
-              <a:endParaRPr lang="es-419" sz="1200" dirty="0"/>
+              <a:endParaRPr lang="x-none" sz="1200" dirty="0"/>
             </a:p>
           </p:txBody>
         </p:sp>
@@ -5575,7 +5576,7 @@
                 <a:rPr lang="es-US" sz="1200" dirty="0"/>
                 <a:t>DIN</a:t>
               </a:r>
-              <a:endParaRPr lang="es-419" sz="1200" dirty="0"/>
+              <a:endParaRPr lang="x-none" sz="1200" dirty="0"/>
             </a:p>
           </p:txBody>
         </p:sp>
@@ -5605,7 +5606,7 @@
                 <a:rPr lang="es-US" sz="1200" dirty="0"/>
                 <a:t>ID</a:t>
               </a:r>
-              <a:endParaRPr lang="es-419" sz="1200" dirty="0"/>
+              <a:endParaRPr lang="x-none" sz="1200" dirty="0"/>
             </a:p>
           </p:txBody>
         </p:sp>
@@ -5635,7 +5636,7 @@
                 <a:rPr lang="es-US" sz="1200" dirty="0"/>
                 <a:t>ID</a:t>
               </a:r>
-              <a:endParaRPr lang="es-419" sz="1200" dirty="0"/>
+              <a:endParaRPr lang="x-none" sz="1200" dirty="0"/>
             </a:p>
           </p:txBody>
         </p:sp>
@@ -5665,7 +5666,7 @@
                 <a:rPr lang="es-US" sz="1200" dirty="0"/>
                 <a:t>RD</a:t>
               </a:r>
-              <a:endParaRPr lang="es-419" sz="1200" dirty="0"/>
+              <a:endParaRPr lang="x-none" sz="1200" dirty="0"/>
             </a:p>
           </p:txBody>
         </p:sp>
@@ -5695,7 +5696,7 @@
                 <a:rPr lang="es-US" sz="1200" dirty="0"/>
                 <a:t>ID</a:t>
               </a:r>
-              <a:endParaRPr lang="es-419" sz="1200" dirty="0"/>
+              <a:endParaRPr lang="x-none" sz="1200" dirty="0"/>
             </a:p>
           </p:txBody>
         </p:sp>
@@ -5725,7 +5726,7 @@
                 <a:rPr lang="es-US" sz="1200" dirty="0"/>
                 <a:t>ID</a:t>
               </a:r>
-              <a:endParaRPr lang="es-419" sz="1200" dirty="0"/>
+              <a:endParaRPr lang="x-none" sz="1200" dirty="0"/>
             </a:p>
           </p:txBody>
         </p:sp>
@@ -5755,7 +5756,7 @@
                 <a:rPr lang="es-US" sz="1200" dirty="0"/>
                 <a:t>WR</a:t>
               </a:r>
-              <a:endParaRPr lang="es-419" sz="1200" dirty="0"/>
+              <a:endParaRPr lang="x-none" sz="1200" dirty="0"/>
             </a:p>
           </p:txBody>
         </p:sp>
@@ -5785,7 +5786,7 @@
                 <a:rPr lang="es-US" sz="1200" dirty="0"/>
                 <a:t>WR</a:t>
               </a:r>
-              <a:endParaRPr lang="es-419" sz="1200" dirty="0"/>
+              <a:endParaRPr lang="x-none" sz="1200" dirty="0"/>
             </a:p>
           </p:txBody>
         </p:sp>
@@ -5815,7 +5816,7 @@
                 <a:rPr lang="es-US" sz="1200" dirty="0"/>
                 <a:t>WR/RD</a:t>
               </a:r>
-              <a:endParaRPr lang="es-419" sz="1200" dirty="0"/>
+              <a:endParaRPr lang="x-none" sz="1200" dirty="0"/>
             </a:p>
           </p:txBody>
         </p:sp>
@@ -5853,7 +5854,7 @@
             <a:lstStyle/>
             <a:p>
               <a:pPr algn="ctr"/>
-              <a:endParaRPr lang="es-419"/>
+              <a:endParaRPr lang="x-none"/>
             </a:p>
           </p:txBody>
         </p:sp>
@@ -5883,7 +5884,7 @@
                 <a:rPr lang="es-US" sz="1200" dirty="0"/>
                 <a:t>DIN</a:t>
               </a:r>
-              <a:endParaRPr lang="es-419" sz="1200" dirty="0"/>
+              <a:endParaRPr lang="x-none" sz="1200" dirty="0"/>
             </a:p>
           </p:txBody>
         </p:sp>
@@ -5913,7 +5914,7 @@
                 <a:rPr lang="es-US" sz="1200" dirty="0"/>
                 <a:t>DIN</a:t>
               </a:r>
-              <a:endParaRPr lang="es-419" sz="1200" dirty="0"/>
+              <a:endParaRPr lang="x-none" sz="1200" dirty="0"/>
             </a:p>
           </p:txBody>
         </p:sp>
@@ -5943,7 +5944,7 @@
                 <a:rPr lang="es-US" sz="1200" dirty="0"/>
                 <a:t>DOUT</a:t>
               </a:r>
-              <a:endParaRPr lang="es-419" sz="1200" dirty="0"/>
+              <a:endParaRPr lang="x-none" sz="1200" dirty="0"/>
             </a:p>
           </p:txBody>
         </p:sp>
@@ -5973,7 +5974,7 @@
                 <a:rPr lang="es-US" sz="1200" dirty="0"/>
                 <a:t>DOUT</a:t>
               </a:r>
-              <a:endParaRPr lang="es-419" sz="1200" dirty="0"/>
+              <a:endParaRPr lang="x-none" sz="1200" dirty="0"/>
             </a:p>
           </p:txBody>
         </p:sp>
@@ -6015,7 +6016,7 @@
                 <a:rPr lang="es-US" dirty="0" err="1"/>
                 <a:t>Picoblaze</a:t>
               </a:r>
-              <a:endParaRPr lang="es-419" dirty="0"/>
+              <a:endParaRPr lang="x-none" dirty="0"/>
             </a:p>
           </p:txBody>
         </p:sp>
@@ -6117,7 +6118,12 @@
             <p:ph type="title"/>
           </p:nvPr>
         </p:nvSpPr>
-        <p:spPr/>
+        <p:spPr>
+          <a:xfrm>
+            <a:off x="886327" y="220746"/>
+            <a:ext cx="10515600" cy="1325563"/>
+          </a:xfrm>
+        </p:spPr>
         <p:txBody>
           <a:bodyPr/>
           <a:lstStyle/>
@@ -6569,6 +6575,272 @@
 </p:sld>
 </file>
 
+<file path=ppt/slides/slide4.xml><?xml version="1.0" encoding="utf-8"?>
+<p:sld xmlns:a="http://schemas.openxmlformats.org/drawingml/2006/main" xmlns:r="http://schemas.openxmlformats.org/officeDocument/2006/relationships" xmlns:p="http://schemas.openxmlformats.org/presentationml/2006/main">
+  <p:cSld>
+    <p:spTree>
+      <p:nvGrpSpPr>
+        <p:cNvPr id="1" name=""/>
+        <p:cNvGrpSpPr/>
+        <p:nvPr/>
+      </p:nvGrpSpPr>
+      <p:grpSpPr>
+        <a:xfrm>
+          <a:off x="0" y="0"/>
+          <a:ext cx="0" cy="0"/>
+          <a:chOff x="0" y="0"/>
+          <a:chExt cx="0" cy="0"/>
+        </a:xfrm>
+      </p:grpSpPr>
+      <p:sp>
+        <p:nvSpPr>
+          <p:cNvPr id="2" name="Título 1"/>
+          <p:cNvSpPr>
+            <a:spLocks noGrp="1"/>
+          </p:cNvSpPr>
+          <p:nvPr>
+            <p:ph type="title"/>
+          </p:nvPr>
+        </p:nvSpPr>
+        <p:spPr/>
+        <p:txBody>
+          <a:bodyPr/>
+          <a:lstStyle/>
+          <a:p>
+            <a:r>
+              <a:rPr lang="es-ES" dirty="0" smtClean="0"/>
+              <a:t>memoria</a:t>
+            </a:r>
+            <a:endParaRPr lang="es-ES" dirty="0"/>
+          </a:p>
+        </p:txBody>
+      </p:sp>
+      <p:graphicFrame>
+        <p:nvGraphicFramePr>
+          <p:cNvPr id="4" name="Marcador de contenido 3"/>
+          <p:cNvGraphicFramePr>
+            <a:graphicFrameLocks noGrp="1"/>
+          </p:cNvGraphicFramePr>
+          <p:nvPr>
+            <p:ph idx="1"/>
+            <p:extLst>
+              <p:ext uri="{D42A27DB-BD31-4B8C-83A1-F6EECF244321}">
+                <p14:modId xmlns:p14="http://schemas.microsoft.com/office/powerpoint/2010/main" val="130940228"/>
+              </p:ext>
+            </p:extLst>
+          </p:nvPr>
+        </p:nvGraphicFramePr>
+        <p:xfrm>
+          <a:off x="838200" y="1825625"/>
+          <a:ext cx="10515600" cy="2225040"/>
+        </p:xfrm>
+        <a:graphic>
+          <a:graphicData uri="http://schemas.openxmlformats.org/drawingml/2006/table">
+            <a:tbl>
+              <a:tblPr firstRow="1" bandRow="1">
+                <a:tableStyleId>{5C22544A-7EE6-4342-B048-85BDC9FD1C3A}</a:tableStyleId>
+              </a:tblPr>
+              <a:tblGrid>
+                <a:gridCol w="5257800"/>
+                <a:gridCol w="5257800"/>
+              </a:tblGrid>
+              <a:tr h="370840">
+                <a:tc>
+                  <a:txBody>
+                    <a:bodyPr/>
+                    <a:lstStyle/>
+                    <a:p>
+                      <a:r>
+                        <a:rPr lang="es-ES" dirty="0" smtClean="0"/>
+                        <a:t>variable</a:t>
+                      </a:r>
+                      <a:endParaRPr lang="es-ES" dirty="0"/>
+                    </a:p>
+                  </a:txBody>
+                  <a:tcPr/>
+                </a:tc>
+                <a:tc>
+                  <a:txBody>
+                    <a:bodyPr/>
+                    <a:lstStyle/>
+                    <a:p>
+                      <a:r>
+                        <a:rPr lang="es-ES" dirty="0" smtClean="0"/>
+                        <a:t>Dirección en memoria</a:t>
+                      </a:r>
+                      <a:endParaRPr lang="es-ES" dirty="0"/>
+                    </a:p>
+                  </a:txBody>
+                  <a:tcPr/>
+                </a:tc>
+              </a:tr>
+              <a:tr h="370840">
+                <a:tc>
+                  <a:txBody>
+                    <a:bodyPr/>
+                    <a:lstStyle/>
+                    <a:p>
+                      <a:r>
+                        <a:rPr lang="es-ES" dirty="0" smtClean="0"/>
+                        <a:t>Teclado</a:t>
+                      </a:r>
+                      <a:endParaRPr lang="es-ES" dirty="0"/>
+                    </a:p>
+                  </a:txBody>
+                  <a:tcPr/>
+                </a:tc>
+                <a:tc>
+                  <a:txBody>
+                    <a:bodyPr/>
+                    <a:lstStyle/>
+                    <a:p>
+                      <a:r>
+                        <a:rPr lang="es-ES" dirty="0" smtClean="0"/>
+                        <a:t>5-10</a:t>
+                      </a:r>
+                      <a:endParaRPr lang="es-ES" dirty="0"/>
+                    </a:p>
+                  </a:txBody>
+                  <a:tcPr/>
+                </a:tc>
+              </a:tr>
+              <a:tr h="370840">
+                <a:tc>
+                  <a:txBody>
+                    <a:bodyPr/>
+                    <a:lstStyle/>
+                    <a:p>
+                      <a:r>
+                        <a:rPr lang="es-ES" dirty="0" smtClean="0"/>
+                        <a:t>RTC</a:t>
+                      </a:r>
+                      <a:endParaRPr lang="es-ES" dirty="0"/>
+                    </a:p>
+                  </a:txBody>
+                  <a:tcPr/>
+                </a:tc>
+                <a:tc>
+                  <a:txBody>
+                    <a:bodyPr/>
+                    <a:lstStyle/>
+                    <a:p>
+                      <a:r>
+                        <a:rPr lang="es-ES" dirty="0" smtClean="0"/>
+                        <a:t>17-29</a:t>
+                      </a:r>
+                      <a:endParaRPr lang="es-ES" dirty="0"/>
+                    </a:p>
+                  </a:txBody>
+                  <a:tcPr/>
+                </a:tc>
+              </a:tr>
+              <a:tr h="370840">
+                <a:tc>
+                  <a:txBody>
+                    <a:bodyPr/>
+                    <a:lstStyle/>
+                    <a:p>
+                      <a:r>
+                        <a:rPr lang="es-ES" dirty="0" smtClean="0"/>
+                        <a:t>VGA</a:t>
+                      </a:r>
+                      <a:endParaRPr lang="es-ES" dirty="0"/>
+                    </a:p>
+                  </a:txBody>
+                  <a:tcPr/>
+                </a:tc>
+                <a:tc>
+                  <a:txBody>
+                    <a:bodyPr/>
+                    <a:lstStyle/>
+                    <a:p>
+                      <a:r>
+                        <a:rPr lang="es-ES" dirty="0" smtClean="0"/>
+                        <a:t>40-56</a:t>
+                      </a:r>
+                      <a:endParaRPr lang="es-ES" dirty="0"/>
+                    </a:p>
+                  </a:txBody>
+                  <a:tcPr/>
+                </a:tc>
+              </a:tr>
+              <a:tr h="370840">
+                <a:tc>
+                  <a:txBody>
+                    <a:bodyPr/>
+                    <a:lstStyle/>
+                    <a:p>
+                      <a:r>
+                        <a:rPr lang="es-ES" dirty="0" err="1" smtClean="0"/>
+                        <a:t>Aux</a:t>
+                      </a:r>
+                      <a:endParaRPr lang="es-ES" dirty="0"/>
+                    </a:p>
+                  </a:txBody>
+                  <a:tcPr/>
+                </a:tc>
+                <a:tc>
+                  <a:txBody>
+                    <a:bodyPr/>
+                    <a:lstStyle/>
+                    <a:p>
+                      <a:r>
+                        <a:rPr lang="es-ES" dirty="0" smtClean="0"/>
+                        <a:t>33-37</a:t>
+                      </a:r>
+                      <a:endParaRPr lang="es-ES" dirty="0"/>
+                    </a:p>
+                  </a:txBody>
+                  <a:tcPr/>
+                </a:tc>
+              </a:tr>
+              <a:tr h="370840">
+                <a:tc>
+                  <a:txBody>
+                    <a:bodyPr/>
+                    <a:lstStyle/>
+                    <a:p>
+                      <a:r>
+                        <a:rPr lang="es-ES" dirty="0" smtClean="0"/>
+                        <a:t>Sonido</a:t>
+                      </a:r>
+                      <a:endParaRPr lang="es-ES" dirty="0"/>
+                    </a:p>
+                  </a:txBody>
+                  <a:tcPr/>
+                </a:tc>
+                <a:tc>
+                  <a:txBody>
+                    <a:bodyPr/>
+                    <a:lstStyle/>
+                    <a:p>
+                      <a:r>
+                        <a:rPr lang="es-ES" dirty="0" smtClean="0"/>
+                        <a:t>14</a:t>
+                      </a:r>
+                      <a:endParaRPr lang="es-ES" dirty="0"/>
+                    </a:p>
+                  </a:txBody>
+                  <a:tcPr/>
+                </a:tc>
+              </a:tr>
+            </a:tbl>
+          </a:graphicData>
+        </a:graphic>
+      </p:graphicFrame>
+    </p:spTree>
+    <p:extLst>
+      <p:ext uri="{BB962C8B-B14F-4D97-AF65-F5344CB8AC3E}">
+        <p14:creationId xmlns:p14="http://schemas.microsoft.com/office/powerpoint/2010/main" val="139756227"/>
+      </p:ext>
+    </p:extLst>
+  </p:cSld>
+  <p:clrMapOvr>
+    <a:masterClrMapping/>
+  </p:clrMapOvr>
+</p:sld>
+</file>
+
 <file path=ppt/theme/theme1.xml><?xml version="1.0" encoding="utf-8"?>
 <a:theme xmlns:a="http://schemas.openxmlformats.org/drawingml/2006/main" name="Tema de Office">
   <a:themeElements>
